--- a/ppt/RAG04-Embedding.pptx
+++ b/ppt/RAG04-Embedding.pptx
@@ -4520,6 +4520,34 @@
               <a:rPr lang="fr-FR" dirty="0"/>
               <a:t>En BD</a:t>
             </a:r>
+          </a:p>
+          <a:p>
+            <a:pPr lvl="1"/>
+            <a:r>
+              <a:rPr lang="fr-FR" dirty="0"/>
+              <a:t>Nécessité de stocker des </a:t>
+            </a:r>
+            <a:r>
+              <a:rPr lang="fr-FR" dirty="0" err="1"/>
+              <a:t>metadata</a:t>
+            </a:r>
+            <a:endParaRPr lang="fr-FR" dirty="0"/>
+          </a:p>
+          <a:p>
+            <a:pPr lvl="1"/>
+            <a:r>
+              <a:rPr lang="fr-FR" dirty="0"/>
+              <a:t>Titre, keywords, texte du </a:t>
+            </a:r>
+            <a:r>
+              <a:rPr lang="fr-FR" dirty="0" err="1"/>
+              <a:t>chunk</a:t>
+            </a:r>
+            <a:r>
+              <a:rPr lang="fr-FR"/>
+              <a:t>, …</a:t>
+            </a:r>
+            <a:endParaRPr lang="fr-FR" dirty="0"/>
           </a:p>
         </p:txBody>
       </p:sp>
